--- a/Week 5 - Functions and Graphing/PowerPoint Presentations/Week_5_Part_3_Functions_and_Graphing.pptx
+++ b/Week 5 - Functions and Graphing/PowerPoint Presentations/Week_5_Part_3_Functions_and_Graphing.pptx
@@ -226,7 +226,7 @@
           <a:p>
             <a:fld id="{C0DB4203-FCE6-4DB9-8B82-6DDA69D645A0}" type="datetimeFigureOut">
               <a:rPr lang="en-ZA" smtClean="0"/>
-              <a:t>2023/05/09</a:t>
+              <a:t>23 May 2023</a:t>
             </a:fld>
             <a:endParaRPr lang="en-ZA"/>
           </a:p>
@@ -7688,29 +7688,7 @@
                 <a:ea typeface="Times New Roman" panose="02020603050405020304" pitchFamily="18" charset="0"/>
                 <a:cs typeface="Times New Roman" panose="02020603050405020304" pitchFamily="18" charset="0"/>
               </a:rPr>
-              <a:t>Scripts and functions can invoke other scripts and functions. Hence, when errors do occur, they may originate several layers deep into the progression of function calls. As mentioned in Week 1, in the “Basic Debugging in MATLAB</a:t>
-            </a:r>
-            <a:r>
-              <a:rPr lang="en-ZA" sz="1600" dirty="0">
-                <a:solidFill>
-                  <a:srgbClr val="005FCE"/>
-                </a:solidFill>
-                <a:effectLst/>
-                <a:latin typeface="Helvetica" panose="020B0604020202020204" pitchFamily="34" charset="0"/>
-                <a:ea typeface="Times New Roman" panose="02020603050405020304" pitchFamily="18" charset="0"/>
-                <a:cs typeface="Times New Roman" panose="02020603050405020304" pitchFamily="18" charset="0"/>
-                <a:hlinkClick r:id="rId2"/>
-              </a:rPr>
-              <a:t>[KS1]</a:t>
-            </a:r>
-            <a:r>
-              <a:rPr lang="en-ZA" sz="1600" dirty="0">
-                <a:effectLst/>
-                <a:latin typeface="Helvetica" panose="020B0604020202020204" pitchFamily="34" charset="0"/>
-                <a:ea typeface="Times New Roman" panose="02020603050405020304" pitchFamily="18" charset="0"/>
-                <a:cs typeface="Times New Roman" panose="02020603050405020304" pitchFamily="18" charset="0"/>
-              </a:rPr>
-              <a:t> ” sub-section, MATLAB shows a </a:t>
+              <a:t>Scripts and functions can invoke other scripts and functions. Hence, when errors do occur, they may originate several layers deep into the progression of function calls. As mentioned in Week 1, in the “Basic Debugging in MATLAB” sub-section, MATLAB shows a </a:t>
             </a:r>
             <a:r>
               <a:rPr lang="en-ZA" sz="1600" i="1" dirty="0">
@@ -7753,48 +7731,6 @@
               </a:rPr>
               <a:t>Error messages in MATLAB give the line number where the error occurred. Clicking the error message will open the appropriate file in the Editor.</a:t>
             </a:r>
-          </a:p>
-          <a:p>
-            <a:pPr marL="0" indent="0" algn="just">
-              <a:buNone/>
-            </a:pPr>
-            <a:r>
-              <a:rPr lang="en-ZA" sz="1600" dirty="0">
-                <a:effectLst/>
-                <a:latin typeface="Helvetica" panose="020B0604020202020204" pitchFamily="34" charset="0"/>
-                <a:ea typeface="Times New Roman" panose="02020603050405020304" pitchFamily="18" charset="0"/>
-                <a:cs typeface="Times New Roman" panose="02020603050405020304" pitchFamily="18" charset="0"/>
-              </a:rPr>
-              <a:t> </a:t>
-            </a:r>
-            <a:r>
-              <a:rPr lang="en-ZA" sz="1600" dirty="0">
-                <a:solidFill>
-                  <a:srgbClr val="005FCE"/>
-                </a:solidFill>
-                <a:effectLst/>
-                <a:latin typeface="Helvetica" panose="020B0604020202020204" pitchFamily="34" charset="0"/>
-                <a:ea typeface="Times New Roman" panose="02020603050405020304" pitchFamily="18" charset="0"/>
-                <a:cs typeface="Times New Roman" panose="02020603050405020304" pitchFamily="18" charset="0"/>
-                <a:hlinkClick r:id="rId3"/>
-              </a:rPr>
-              <a:t>[KS1]</a:t>
-            </a:r>
-            <a:r>
-              <a:rPr lang="en-ZA" sz="1600" dirty="0">
-                <a:effectLst/>
-                <a:latin typeface="Helvetica" panose="020B0604020202020204" pitchFamily="34" charset="0"/>
-                <a:ea typeface="Times New Roman" panose="02020603050405020304" pitchFamily="18" charset="0"/>
-                <a:cs typeface="Times New Roman" panose="02020603050405020304" pitchFamily="18" charset="0"/>
-              </a:rPr>
-              <a:t>Link to sub-section in week 1/week 1 Live Script</a:t>
-            </a:r>
-            <a:endParaRPr lang="en-ZA" sz="1400" dirty="0">
-              <a:effectLst/>
-              <a:latin typeface="Helvetica" panose="020B0604020202020204" pitchFamily="34" charset="0"/>
-              <a:ea typeface="Times New Roman" panose="02020603050405020304" pitchFamily="18" charset="0"/>
-              <a:cs typeface="Times New Roman" panose="02020603050405020304" pitchFamily="18" charset="0"/>
-            </a:endParaRPr>
           </a:p>
         </p:txBody>
       </p:sp>
@@ -7891,7 +7827,7 @@
       <p:pic>
         <p:nvPicPr>
           <p:cNvPr id="12" name="Graphic 11" descr="Chevron arrows with solid fill">
-            <a:hlinkClick r:id="rId4" action="ppaction://hlinksldjump"/>
+            <a:hlinkClick r:id="rId2" action="ppaction://hlinksldjump"/>
             <a:extLst>
               <a:ext uri="{FF2B5EF4-FFF2-40B4-BE49-F238E27FC236}">
                 <a16:creationId xmlns:a16="http://schemas.microsoft.com/office/drawing/2014/main" id="{4976E768-91F0-A45E-F12B-AD5121229153}"/>
@@ -7904,13 +7840,13 @@
           <p:nvPr/>
         </p:nvPicPr>
         <p:blipFill>
-          <a:blip r:embed="rId5">
+          <a:blip r:embed="rId3">
             <a:extLst>
               <a:ext uri="{28A0092B-C50C-407E-A947-70E740481C1C}">
                 <a14:useLocalDpi xmlns:a14="http://schemas.microsoft.com/office/drawing/2010/main" val="0"/>
               </a:ext>
               <a:ext uri="{96DAC541-7B7A-43D3-8B79-37D633B846F1}">
-                <asvg:svgBlip xmlns:asvg="http://schemas.microsoft.com/office/drawing/2016/SVG/main" r:embed="rId6"/>
+                <asvg:svgBlip xmlns:asvg="http://schemas.microsoft.com/office/drawing/2016/SVG/main" r:embed="rId4"/>
               </a:ext>
             </a:extLst>
           </a:blip>
@@ -15195,7 +15131,7 @@
               <a:buNone/>
             </a:pPr>
             <a:r>
-              <a:rPr lang="en-ZA" sz="1800" dirty="0">
+              <a:rPr lang="en-ZA" sz="1600" dirty="0">
                 <a:effectLst/>
                 <a:latin typeface="Helvetica" panose="020B0604020202020204" pitchFamily="34" charset="0"/>
                 <a:ea typeface="Times New Roman" panose="02020603050405020304" pitchFamily="18" charset="0"/>
@@ -15213,7 +15149,7 @@
               <a:buChar char=""/>
             </a:pPr>
             <a:r>
-              <a:rPr lang="en-ZA" sz="1800" dirty="0">
+              <a:rPr lang="en-ZA" sz="1600" dirty="0">
                 <a:effectLst/>
                 <a:latin typeface="Helvetica" panose="020B0604020202020204" pitchFamily="34" charset="0"/>
                 <a:ea typeface="Times New Roman" panose="02020603050405020304" pitchFamily="18" charset="0"/>
@@ -15231,7 +15167,7 @@
               <a:buChar char=""/>
             </a:pPr>
             <a:r>
-              <a:rPr lang="en-ZA" sz="1800" dirty="0">
+              <a:rPr lang="en-ZA" sz="1600" dirty="0">
                 <a:effectLst/>
                 <a:latin typeface="Helvetica" panose="020B0604020202020204" pitchFamily="34" charset="0"/>
                 <a:ea typeface="Times New Roman" panose="02020603050405020304" pitchFamily="18" charset="0"/>
@@ -15249,7 +15185,7 @@
               <a:buChar char=""/>
             </a:pPr>
             <a:r>
-              <a:rPr lang="en-ZA" sz="1800" dirty="0">
+              <a:rPr lang="en-ZA" sz="1600" dirty="0">
                 <a:effectLst/>
                 <a:latin typeface="Helvetica" panose="020B0604020202020204" pitchFamily="34" charset="0"/>
                 <a:ea typeface="Times New Roman" panose="02020603050405020304" pitchFamily="18" charset="0"/>
@@ -15267,7 +15203,7 @@
               <a:buChar char=""/>
             </a:pPr>
             <a:r>
-              <a:rPr lang="en-ZA" sz="1800" dirty="0">
+              <a:rPr lang="en-ZA" sz="1600" dirty="0">
                 <a:effectLst/>
                 <a:latin typeface="Helvetica" panose="020B0604020202020204" pitchFamily="34" charset="0"/>
                 <a:ea typeface="Times New Roman" panose="02020603050405020304" pitchFamily="18" charset="0"/>
@@ -15285,7 +15221,7 @@
               <a:buChar char=""/>
             </a:pPr>
             <a:r>
-              <a:rPr lang="en-ZA" sz="1800" dirty="0">
+              <a:rPr lang="en-ZA" sz="1600" dirty="0">
                 <a:effectLst/>
                 <a:latin typeface="Helvetica" panose="020B0604020202020204" pitchFamily="34" charset="0"/>
                 <a:ea typeface="Times New Roman" panose="02020603050405020304" pitchFamily="18" charset="0"/>
@@ -15303,7 +15239,7 @@
               <a:buChar char=""/>
             </a:pPr>
             <a:r>
-              <a:rPr lang="en-ZA" sz="1800" dirty="0">
+              <a:rPr lang="en-ZA" sz="1600" dirty="0">
                 <a:effectLst/>
                 <a:latin typeface="Helvetica" panose="020B0604020202020204" pitchFamily="34" charset="0"/>
                 <a:ea typeface="Times New Roman" panose="02020603050405020304" pitchFamily="18" charset="0"/>
@@ -15606,15 +15542,175 @@
               </a:rPr>
               <a:t>Week_5_Part_3_Functions_and_Graphing.mlx</a:t>
             </a:r>
-            <a:endParaRPr kumimoji="0" lang="en-ZA" altLang="en-US" sz="1600" b="0" i="0" u="none" strike="noStrike" cap="none" normalizeH="0" baseline="0" dirty="0">
-              <a:ln>
-                <a:noFill/>
-              </a:ln>
-              <a:solidFill>
-                <a:schemeClr val="tx1"/>
-              </a:solidFill>
+            <a:endParaRPr lang="en-ZA" sz="1600" dirty="0">
               <a:effectLst/>
-              <a:latin typeface="Arial" panose="020B0604020202020204" pitchFamily="34" charset="0"/>
+              <a:latin typeface="Helvetica" panose="020B0604020202020204" pitchFamily="34" charset="0"/>
+              <a:ea typeface="Times New Roman" panose="02020603050405020304" pitchFamily="18" charset="0"/>
+              <a:cs typeface="Times New Roman" panose="02020603050405020304" pitchFamily="18" charset="0"/>
+            </a:endParaRPr>
+          </a:p>
+          <a:p>
+            <a:pPr marL="0" indent="0">
+              <a:lnSpc>
+                <a:spcPct val="107000"/>
+              </a:lnSpc>
+              <a:spcBef>
+                <a:spcPts val="1050"/>
+              </a:spcBef>
+              <a:spcAft>
+                <a:spcPts val="1050"/>
+              </a:spcAft>
+              <a:buNone/>
+            </a:pPr>
+            <a:endParaRPr lang="en-GB" sz="1600" b="1" i="1" dirty="0">
+              <a:latin typeface="Helvetica" panose="020B0604020202020204" pitchFamily="34" charset="0"/>
+              <a:ea typeface="Times New Roman" panose="02020603050405020304" pitchFamily="18" charset="0"/>
+              <a:cs typeface="Times New Roman" panose="02020603050405020304" pitchFamily="18" charset="0"/>
+            </a:endParaRPr>
+          </a:p>
+          <a:p>
+            <a:pPr marL="0" indent="0">
+              <a:lnSpc>
+                <a:spcPct val="107000"/>
+              </a:lnSpc>
+              <a:spcBef>
+                <a:spcPts val="1050"/>
+              </a:spcBef>
+              <a:spcAft>
+                <a:spcPts val="1050"/>
+              </a:spcAft>
+              <a:buNone/>
+            </a:pPr>
+            <a:endParaRPr lang="en-GB" sz="1600" b="1" i="1" dirty="0">
+              <a:latin typeface="Helvetica" panose="020B0604020202020204" pitchFamily="34" charset="0"/>
+              <a:ea typeface="Times New Roman" panose="02020603050405020304" pitchFamily="18" charset="0"/>
+              <a:cs typeface="Times New Roman" panose="02020603050405020304" pitchFamily="18" charset="0"/>
+            </a:endParaRPr>
+          </a:p>
+          <a:p>
+            <a:pPr marL="0" indent="0">
+              <a:lnSpc>
+                <a:spcPct val="107000"/>
+              </a:lnSpc>
+              <a:spcBef>
+                <a:spcPts val="1050"/>
+              </a:spcBef>
+              <a:spcAft>
+                <a:spcPts val="1050"/>
+              </a:spcAft>
+              <a:buNone/>
+            </a:pPr>
+            <a:endParaRPr lang="en-GB" sz="1600" b="1" i="1" dirty="0">
+              <a:effectLst/>
+              <a:latin typeface="Helvetica" panose="020B0604020202020204" pitchFamily="34" charset="0"/>
+              <a:ea typeface="Times New Roman" panose="02020603050405020304" pitchFamily="18" charset="0"/>
+              <a:cs typeface="Times New Roman" panose="02020603050405020304" pitchFamily="18" charset="0"/>
+            </a:endParaRPr>
+          </a:p>
+          <a:p>
+            <a:pPr marL="0" indent="0">
+              <a:lnSpc>
+                <a:spcPct val="107000"/>
+              </a:lnSpc>
+              <a:spcBef>
+                <a:spcPts val="1050"/>
+              </a:spcBef>
+              <a:spcAft>
+                <a:spcPts val="1050"/>
+              </a:spcAft>
+              <a:buNone/>
+            </a:pPr>
+            <a:endParaRPr lang="en-GB" sz="1600" b="1" i="1" dirty="0">
+              <a:latin typeface="Helvetica" panose="020B0604020202020204" pitchFamily="34" charset="0"/>
+              <a:ea typeface="Times New Roman" panose="02020603050405020304" pitchFamily="18" charset="0"/>
+              <a:cs typeface="Times New Roman" panose="02020603050405020304" pitchFamily="18" charset="0"/>
+            </a:endParaRPr>
+          </a:p>
+          <a:p>
+            <a:pPr marL="0" indent="0">
+              <a:lnSpc>
+                <a:spcPct val="107000"/>
+              </a:lnSpc>
+              <a:spcBef>
+                <a:spcPts val="1050"/>
+              </a:spcBef>
+              <a:spcAft>
+                <a:spcPts val="1050"/>
+              </a:spcAft>
+              <a:buNone/>
+            </a:pPr>
+            <a:endParaRPr lang="en-GB" sz="1600" b="1" i="1">
+              <a:effectLst/>
+              <a:latin typeface="Helvetica" panose="020B0604020202020204" pitchFamily="34" charset="0"/>
+              <a:ea typeface="Times New Roman" panose="02020603050405020304" pitchFamily="18" charset="0"/>
+              <a:cs typeface="Times New Roman" panose="02020603050405020304" pitchFamily="18" charset="0"/>
+            </a:endParaRPr>
+          </a:p>
+          <a:p>
+            <a:pPr marL="0" indent="0">
+              <a:lnSpc>
+                <a:spcPct val="107000"/>
+              </a:lnSpc>
+              <a:spcBef>
+                <a:spcPts val="1050"/>
+              </a:spcBef>
+              <a:spcAft>
+                <a:spcPts val="1050"/>
+              </a:spcAft>
+              <a:buNone/>
+            </a:pPr>
+            <a:endParaRPr lang="en-GB" sz="1600" b="1" i="1" dirty="0">
+              <a:effectLst/>
+              <a:latin typeface="Helvetica" panose="020B0604020202020204" pitchFamily="34" charset="0"/>
+              <a:ea typeface="Times New Roman" panose="02020603050405020304" pitchFamily="18" charset="0"/>
+              <a:cs typeface="Times New Roman" panose="02020603050405020304" pitchFamily="18" charset="0"/>
+            </a:endParaRPr>
+          </a:p>
+          <a:p>
+            <a:pPr marL="0" indent="0">
+              <a:lnSpc>
+                <a:spcPct val="107000"/>
+              </a:lnSpc>
+              <a:spcBef>
+                <a:spcPts val="1050"/>
+              </a:spcBef>
+              <a:spcAft>
+                <a:spcPts val="1050"/>
+              </a:spcAft>
+              <a:buNone/>
+            </a:pPr>
+            <a:r>
+              <a:rPr lang="en-GB" sz="1600" b="1" i="1" dirty="0">
+                <a:effectLst/>
+                <a:latin typeface="Helvetica" panose="020B0604020202020204" pitchFamily="34" charset="0"/>
+                <a:ea typeface="Times New Roman" panose="02020603050405020304" pitchFamily="18" charset="0"/>
+                <a:cs typeface="Times New Roman" panose="02020603050405020304" pitchFamily="18" charset="0"/>
+              </a:rPr>
+              <a:t>Copyright 2022 The MathWorks, Inc. &amp; Opti-</a:t>
+            </a:r>
+            <a:r>
+              <a:rPr lang="en-GB" sz="1600" b="1" i="1" dirty="0" err="1">
+                <a:effectLst/>
+                <a:latin typeface="Helvetica" panose="020B0604020202020204" pitchFamily="34" charset="0"/>
+                <a:ea typeface="Times New Roman" panose="02020603050405020304" pitchFamily="18" charset="0"/>
+                <a:cs typeface="Times New Roman" panose="02020603050405020304" pitchFamily="18" charset="0"/>
+              </a:rPr>
+              <a:t>Num</a:t>
+            </a:r>
+            <a:r>
+              <a:rPr lang="en-GB" sz="1600" b="1" i="1" dirty="0">
+                <a:effectLst/>
+                <a:latin typeface="Helvetica" panose="020B0604020202020204" pitchFamily="34" charset="0"/>
+                <a:ea typeface="Times New Roman" panose="02020603050405020304" pitchFamily="18" charset="0"/>
+                <a:cs typeface="Times New Roman" panose="02020603050405020304" pitchFamily="18" charset="0"/>
+              </a:rPr>
+              <a:t> Solutions (Pty) Ltd.</a:t>
+            </a:r>
+            <a:endParaRPr lang="en-ZA" sz="1600" dirty="0">
+              <a:effectLst/>
+              <a:latin typeface="Helvetica" panose="020B0604020202020204" pitchFamily="34" charset="0"/>
+              <a:ea typeface="Times New Roman" panose="02020603050405020304" pitchFamily="18" charset="0"/>
+              <a:cs typeface="Times New Roman" panose="02020603050405020304" pitchFamily="18" charset="0"/>
             </a:endParaRPr>
           </a:p>
         </p:txBody>
@@ -19031,31 +19127,22 @@
               <a:t>inside the function. The value assigned to </a:t>
             </a:r>
             <a:r>
-              <a:rPr lang="en-ZA" sz="1600" b="1" dirty="0" err="1">
+              <a:rPr lang="en-ZA" sz="1600" b="1" dirty="0">
                 <a:effectLst/>
                 <a:latin typeface="Consolas" panose="020B0609020204030204" pitchFamily="49" charset="0"/>
                 <a:ea typeface="Times New Roman" panose="02020603050405020304" pitchFamily="18" charset="0"/>
                 <a:cs typeface="Times New Roman" panose="02020603050405020304" pitchFamily="18" charset="0"/>
               </a:rPr>
-              <a:t>frogs</a:t>
-            </a:r>
-            <a:r>
-              <a:rPr lang="en-ZA" sz="1600" dirty="0" err="1">
-                <a:effectLst/>
-                <a:latin typeface="Helvetica" panose="020B0604020202020204" pitchFamily="34" charset="0"/>
-                <a:ea typeface="Times New Roman" panose="02020603050405020304" pitchFamily="18" charset="0"/>
-                <a:cs typeface="Times New Roman" panose="02020603050405020304" pitchFamily="18" charset="0"/>
-              </a:rPr>
-              <a:t>inside</a:t>
-            </a:r>
-            <a:r>
-              <a:rPr lang="en-ZA" sz="1600" dirty="0">
-                <a:effectLst/>
-                <a:latin typeface="Helvetica" panose="020B0604020202020204" pitchFamily="34" charset="0"/>
-                <a:ea typeface="Times New Roman" panose="02020603050405020304" pitchFamily="18" charset="0"/>
-                <a:cs typeface="Times New Roman" panose="02020603050405020304" pitchFamily="18" charset="0"/>
-              </a:rPr>
-              <a:t> the function will be ignored.</a:t>
+              <a:t>frogs </a:t>
+            </a:r>
+            <a:r>
+              <a:rPr lang="en-ZA" sz="1600" dirty="0">
+                <a:effectLst/>
+                <a:latin typeface="Helvetica" panose="020B0604020202020204" pitchFamily="34" charset="0"/>
+                <a:ea typeface="Times New Roman" panose="02020603050405020304" pitchFamily="18" charset="0"/>
+                <a:cs typeface="Times New Roman" panose="02020603050405020304" pitchFamily="18" charset="0"/>
+              </a:rPr>
+              <a:t>inside the function will be ignored.</a:t>
             </a:r>
           </a:p>
         </p:txBody>
